--- a/Database Performance Test1.pptx
+++ b/Database Performance Test1.pptx
@@ -217,7 +217,7 @@
           <a:p>
             <a:fld id="{3FBCD68D-CD21-4100-9C86-06B61269423A}" type="datetimeFigureOut">
               <a:rPr lang="zh-CN" altLang="en-US" smtClean="0"/>
-              <a:t>2021/11/27</a:t>
+              <a:t>2021/11/28</a:t>
             </a:fld>
             <a:endParaRPr lang="zh-CN" altLang="en-US"/>
           </a:p>
@@ -1781,6 +1781,178 @@
             </a:r>
           </a:p>
           <a:p>
+            <a:endParaRPr lang="en-US" altLang="zh-CN" dirty="0"/>
+          </a:p>
+          <a:p>
+            <a:pPr marL="0" marR="0" lvl="0" indent="0" algn="l" defTabSz="914400" rtl="0" eaLnBrk="1" fontAlgn="auto" latinLnBrk="0" hangingPunct="1">
+              <a:lnSpc>
+                <a:spcPct val="100000"/>
+              </a:lnSpc>
+              <a:spcBef>
+                <a:spcPts val="0"/>
+              </a:spcBef>
+              <a:spcAft>
+                <a:spcPts val="0"/>
+              </a:spcAft>
+              <a:buClrTx/>
+              <a:buSzTx/>
+              <a:buFontTx/>
+              <a:buNone/>
+              <a:tabLst/>
+              <a:defRPr/>
+            </a:pPr>
+            <a:r>
+              <a:rPr lang="en-US" altLang="zh-CN" sz="1800" b="1" kern="100" dirty="0">
+                <a:solidFill>
+                  <a:srgbClr val="7030A0"/>
+                </a:solidFill>
+                <a:effectLst/>
+                <a:latin typeface="Roboto" panose="02000000000000000000" pitchFamily="2" charset="0"/>
+                <a:ea typeface="DengXian" panose="02010600030101010101" pitchFamily="2" charset="-122"/>
+                <a:cs typeface="Times New Roman" panose="02020603050405020304" pitchFamily="18" charset="0"/>
+              </a:rPr>
+              <a:t>Comparison between </a:t>
+            </a:r>
+            <a:r>
+              <a:rPr lang="en-US" altLang="zh-CN" sz="1800" b="1" kern="100" dirty="0" err="1">
+                <a:solidFill>
+                  <a:srgbClr val="7030A0"/>
+                </a:solidFill>
+                <a:effectLst/>
+                <a:latin typeface="Roboto" panose="02000000000000000000" pitchFamily="2" charset="0"/>
+                <a:ea typeface="DengXian" panose="02010600030101010101" pitchFamily="2" charset="-122"/>
+                <a:cs typeface="Times New Roman" panose="02020603050405020304" pitchFamily="18" charset="0"/>
+              </a:rPr>
+              <a:t>contrain</a:t>
+            </a:r>
+            <a:r>
+              <a:rPr lang="en-US" altLang="zh-CN" sz="1800" b="1" kern="100" dirty="0">
+                <a:solidFill>
+                  <a:srgbClr val="7030A0"/>
+                </a:solidFill>
+                <a:effectLst/>
+                <a:latin typeface="Roboto" panose="02000000000000000000" pitchFamily="2" charset="0"/>
+                <a:ea typeface="DengXian" panose="02010600030101010101" pitchFamily="2" charset="-122"/>
+                <a:cs typeface="Times New Roman" panose="02020603050405020304" pitchFamily="18" charset="0"/>
+              </a:rPr>
+              <a:t> column and non-constrain column. </a:t>
+            </a:r>
+            <a:r>
+              <a:rPr lang="en-US" altLang="zh-CN" sz="1800" b="1" kern="100" dirty="0">
+                <a:solidFill>
+                  <a:srgbClr val="202124"/>
+                </a:solidFill>
+                <a:effectLst/>
+                <a:latin typeface="Roboto" panose="02000000000000000000" pitchFamily="2" charset="0"/>
+                <a:ea typeface="DengXian" panose="02010600030101010101" pitchFamily="2" charset="-122"/>
+                <a:cs typeface="Times New Roman" panose="02020603050405020304" pitchFamily="18" charset="0"/>
+              </a:rPr>
+              <a:t>(1) I select all from the product table where product id is greater than 5 (product id is a key column in this table), and then sorted ascendingly by its productid. This takes 0.016 seconds; (2) First, I created a ‘product’ table, which has no key column, and copy all the records from ‘</a:t>
+            </a:r>
+            <a:r>
+              <a:rPr lang="en-US" altLang="zh-CN" sz="1800" b="1" kern="100" dirty="0" err="1">
+                <a:solidFill>
+                  <a:srgbClr val="202124"/>
+                </a:solidFill>
+                <a:effectLst/>
+                <a:latin typeface="Roboto" panose="02000000000000000000" pitchFamily="2" charset="0"/>
+                <a:ea typeface="DengXian" panose="02010600030101010101" pitchFamily="2" charset="-122"/>
+                <a:cs typeface="Times New Roman" panose="02020603050405020304" pitchFamily="18" charset="0"/>
+              </a:rPr>
+              <a:t>producttable</a:t>
+            </a:r>
+            <a:r>
+              <a:rPr lang="en-US" altLang="zh-CN" sz="1800" b="1" kern="100" dirty="0">
+                <a:solidFill>
+                  <a:srgbClr val="202124"/>
+                </a:solidFill>
+                <a:effectLst/>
+                <a:latin typeface="Roboto" panose="02000000000000000000" pitchFamily="2" charset="0"/>
+                <a:ea typeface="DengXian" panose="02010600030101010101" pitchFamily="2" charset="-122"/>
+                <a:cs typeface="Times New Roman" panose="02020603050405020304" pitchFamily="18" charset="0"/>
+              </a:rPr>
+              <a:t>’ to ‘product’ table. And then I select all from the ‘product’ table, where product id is greater than 5 (product id is a non-key column), and then sorted </a:t>
+            </a:r>
+            <a:r>
+              <a:rPr lang="en-US" altLang="zh-CN" sz="1800" b="1" kern="100" dirty="0" err="1">
+                <a:solidFill>
+                  <a:srgbClr val="202124"/>
+                </a:solidFill>
+                <a:effectLst/>
+                <a:latin typeface="Roboto" panose="02000000000000000000" pitchFamily="2" charset="0"/>
+                <a:ea typeface="DengXian" panose="02010600030101010101" pitchFamily="2" charset="-122"/>
+                <a:cs typeface="Times New Roman" panose="02020603050405020304" pitchFamily="18" charset="0"/>
+              </a:rPr>
+              <a:t>descendingly</a:t>
+            </a:r>
+            <a:r>
+              <a:rPr lang="en-US" altLang="zh-CN" sz="1800" b="1" kern="100" dirty="0">
+                <a:solidFill>
+                  <a:srgbClr val="202124"/>
+                </a:solidFill>
+                <a:effectLst/>
+                <a:latin typeface="Roboto" panose="02000000000000000000" pitchFamily="2" charset="0"/>
+                <a:ea typeface="DengXian" panose="02010600030101010101" pitchFamily="2" charset="-122"/>
+                <a:cs typeface="Times New Roman" panose="02020603050405020304" pitchFamily="18" charset="0"/>
+              </a:rPr>
+              <a:t> by the unit and price. This takes 0.031 seconds. Conclusion: The </a:t>
+            </a:r>
+            <a:r>
+              <a:rPr lang="en-US" altLang="zh-CN" sz="1800" b="1" kern="100" dirty="0" err="1">
+                <a:solidFill>
+                  <a:srgbClr val="202124"/>
+                </a:solidFill>
+                <a:effectLst/>
+                <a:latin typeface="Roboto" panose="02000000000000000000" pitchFamily="2" charset="0"/>
+                <a:ea typeface="DengXian" panose="02010600030101010101" pitchFamily="2" charset="-122"/>
+                <a:cs typeface="Times New Roman" panose="02020603050405020304" pitchFamily="18" charset="0"/>
+              </a:rPr>
+              <a:t>contrain</a:t>
+            </a:r>
+            <a:r>
+              <a:rPr lang="en-US" altLang="zh-CN" sz="1800" b="1" kern="100" dirty="0">
+                <a:solidFill>
+                  <a:srgbClr val="202124"/>
+                </a:solidFill>
+                <a:effectLst/>
+                <a:latin typeface="Roboto" panose="02000000000000000000" pitchFamily="2" charset="0"/>
+                <a:ea typeface="DengXian" panose="02010600030101010101" pitchFamily="2" charset="-122"/>
+                <a:cs typeface="Times New Roman" panose="02020603050405020304" pitchFamily="18" charset="0"/>
+              </a:rPr>
+              <a:t> column is faster than the non-</a:t>
+            </a:r>
+            <a:r>
+              <a:rPr lang="en-US" altLang="zh-CN" sz="1800" b="1" kern="100" dirty="0" err="1">
+                <a:solidFill>
+                  <a:srgbClr val="202124"/>
+                </a:solidFill>
+                <a:effectLst/>
+                <a:latin typeface="Roboto" panose="02000000000000000000" pitchFamily="2" charset="0"/>
+                <a:ea typeface="DengXian" panose="02010600030101010101" pitchFamily="2" charset="-122"/>
+                <a:cs typeface="Times New Roman" panose="02020603050405020304" pitchFamily="18" charset="0"/>
+              </a:rPr>
+              <a:t>contrain</a:t>
+            </a:r>
+            <a:r>
+              <a:rPr lang="en-US" altLang="zh-CN" sz="1800" b="1" kern="100" dirty="0">
+                <a:solidFill>
+                  <a:srgbClr val="202124"/>
+                </a:solidFill>
+                <a:effectLst/>
+                <a:latin typeface="Roboto" panose="02000000000000000000" pitchFamily="2" charset="0"/>
+                <a:ea typeface="DengXian" panose="02010600030101010101" pitchFamily="2" charset="-122"/>
+                <a:cs typeface="Times New Roman" panose="02020603050405020304" pitchFamily="18" charset="0"/>
+              </a:rPr>
+              <a:t> column.</a:t>
+            </a:r>
+            <a:endParaRPr lang="zh-CN" altLang="zh-CN" sz="1800" kern="100" dirty="0">
+              <a:effectLst/>
+              <a:latin typeface="DengXian" panose="02010600030101010101" pitchFamily="2" charset="-122"/>
+              <a:ea typeface="DengXian" panose="02010600030101010101" pitchFamily="2" charset="-122"/>
+              <a:cs typeface="Times New Roman" panose="02020603050405020304" pitchFamily="18" charset="0"/>
+            </a:endParaRPr>
+          </a:p>
+          <a:p>
             <a:endParaRPr lang="zh-CN" altLang="en-US" dirty="0"/>
           </a:p>
         </p:txBody>
@@ -1871,6 +2043,162 @@
             </a:r>
           </a:p>
           <a:p>
+            <a:r>
+              <a:rPr lang="en-US" altLang="zh-CN" sz="1800" b="1" dirty="0" err="1">
+                <a:solidFill>
+                  <a:srgbClr val="7030A0"/>
+                </a:solidFill>
+                <a:effectLst/>
+                <a:latin typeface="Roboto" panose="02000000000000000000" pitchFamily="2" charset="0"/>
+                <a:ea typeface="DengXian" panose="02010600030101010101" pitchFamily="2" charset="-122"/>
+                <a:cs typeface="Times New Roman" panose="02020603050405020304" pitchFamily="18" charset="0"/>
+              </a:rPr>
+              <a:t>Comparision</a:t>
+            </a:r>
+            <a:r>
+              <a:rPr lang="en-US" altLang="zh-CN" sz="1800" b="1" dirty="0">
+                <a:solidFill>
+                  <a:srgbClr val="7030A0"/>
+                </a:solidFill>
+                <a:effectLst/>
+                <a:latin typeface="Roboto" panose="02000000000000000000" pitchFamily="2" charset="0"/>
+                <a:ea typeface="DengXian" panose="02010600030101010101" pitchFamily="2" charset="-122"/>
+                <a:cs typeface="Times New Roman" panose="02020603050405020304" pitchFamily="18" charset="0"/>
+              </a:rPr>
+              <a:t> between nested query and inner join.</a:t>
+            </a:r>
+            <a:r>
+              <a:rPr lang="en-US" altLang="zh-CN" sz="1800" b="1" dirty="0">
+                <a:solidFill>
+                  <a:srgbClr val="202124"/>
+                </a:solidFill>
+                <a:effectLst/>
+                <a:latin typeface="Roboto" panose="02000000000000000000" pitchFamily="2" charset="0"/>
+                <a:ea typeface="DengXian" panose="02010600030101010101" pitchFamily="2" charset="-122"/>
+                <a:cs typeface="Times New Roman" panose="02020603050405020304" pitchFamily="18" charset="0"/>
+              </a:rPr>
+              <a:t> (1) I use nested query, also called subquery. First I select all from </a:t>
+            </a:r>
+            <a:r>
+              <a:rPr lang="en-US" altLang="zh-CN" sz="1800" b="1" dirty="0" err="1">
+                <a:solidFill>
+                  <a:srgbClr val="202124"/>
+                </a:solidFill>
+                <a:effectLst/>
+                <a:latin typeface="Roboto" panose="02000000000000000000" pitchFamily="2" charset="0"/>
+                <a:ea typeface="DengXian" panose="02010600030101010101" pitchFamily="2" charset="-122"/>
+                <a:cs typeface="Times New Roman" panose="02020603050405020304" pitchFamily="18" charset="0"/>
+              </a:rPr>
+              <a:t>producttype</a:t>
+            </a:r>
+            <a:r>
+              <a:rPr lang="en-US" altLang="zh-CN" sz="1800" b="1" dirty="0">
+                <a:solidFill>
+                  <a:srgbClr val="202124"/>
+                </a:solidFill>
+                <a:effectLst/>
+                <a:latin typeface="Roboto" panose="02000000000000000000" pitchFamily="2" charset="0"/>
+                <a:ea typeface="DengXian" panose="02010600030101010101" pitchFamily="2" charset="-122"/>
+                <a:cs typeface="Times New Roman" panose="02020603050405020304" pitchFamily="18" charset="0"/>
+              </a:rPr>
+              <a:t>, which is a column name from </a:t>
+            </a:r>
+            <a:r>
+              <a:rPr lang="en-US" altLang="zh-CN" sz="1800" b="1" dirty="0" err="1">
+                <a:solidFill>
+                  <a:srgbClr val="202124"/>
+                </a:solidFill>
+                <a:effectLst/>
+                <a:latin typeface="Roboto" panose="02000000000000000000" pitchFamily="2" charset="0"/>
+                <a:ea typeface="DengXian" panose="02010600030101010101" pitchFamily="2" charset="-122"/>
+                <a:cs typeface="Times New Roman" panose="02020603050405020304" pitchFamily="18" charset="0"/>
+              </a:rPr>
+              <a:t>producttable</a:t>
+            </a:r>
+            <a:r>
+              <a:rPr lang="en-US" altLang="zh-CN" sz="1800" b="1" dirty="0">
+                <a:solidFill>
+                  <a:srgbClr val="202124"/>
+                </a:solidFill>
+                <a:effectLst/>
+                <a:latin typeface="Roboto" panose="02000000000000000000" pitchFamily="2" charset="0"/>
+                <a:ea typeface="DengXian" panose="02010600030101010101" pitchFamily="2" charset="-122"/>
+                <a:cs typeface="Times New Roman" panose="02020603050405020304" pitchFamily="18" charset="0"/>
+              </a:rPr>
+              <a:t>, then I calculated the sum of the prices of all products which has the same type, the column name is ‘</a:t>
+            </a:r>
+            <a:r>
+              <a:rPr lang="en-US" altLang="zh-CN" sz="1800" b="1" dirty="0" err="1">
+                <a:solidFill>
+                  <a:srgbClr val="202124"/>
+                </a:solidFill>
+                <a:effectLst/>
+                <a:latin typeface="Roboto" panose="02000000000000000000" pitchFamily="2" charset="0"/>
+                <a:ea typeface="DengXian" panose="02010600030101010101" pitchFamily="2" charset="-122"/>
+                <a:cs typeface="Times New Roman" panose="02020603050405020304" pitchFamily="18" charset="0"/>
+              </a:rPr>
+              <a:t>totalprice</a:t>
+            </a:r>
+            <a:r>
+              <a:rPr lang="en-US" altLang="zh-CN" sz="1800" b="1" dirty="0">
+                <a:solidFill>
+                  <a:srgbClr val="202124"/>
+                </a:solidFill>
+                <a:effectLst/>
+                <a:latin typeface="Roboto" panose="02000000000000000000" pitchFamily="2" charset="0"/>
+                <a:ea typeface="DengXian" panose="02010600030101010101" pitchFamily="2" charset="-122"/>
+                <a:cs typeface="Times New Roman" panose="02020603050405020304" pitchFamily="18" charset="0"/>
+              </a:rPr>
+              <a:t>’. Because I want to know how much I have sold for this product type. ‘Where’ means the new nested table ‘t’ will use the same product type as the </a:t>
+            </a:r>
+            <a:r>
+              <a:rPr lang="en-US" altLang="zh-CN" sz="1800" b="1" dirty="0" err="1">
+                <a:solidFill>
+                  <a:srgbClr val="202124"/>
+                </a:solidFill>
+                <a:effectLst/>
+                <a:latin typeface="Roboto" panose="02000000000000000000" pitchFamily="2" charset="0"/>
+                <a:ea typeface="DengXian" panose="02010600030101010101" pitchFamily="2" charset="-122"/>
+                <a:cs typeface="Times New Roman" panose="02020603050405020304" pitchFamily="18" charset="0"/>
+              </a:rPr>
+              <a:t>producttable</a:t>
+            </a:r>
+            <a:r>
+              <a:rPr lang="en-US" altLang="zh-CN" sz="1800" b="1" dirty="0">
+                <a:solidFill>
+                  <a:srgbClr val="202124"/>
+                </a:solidFill>
+                <a:effectLst/>
+                <a:latin typeface="Roboto" panose="02000000000000000000" pitchFamily="2" charset="0"/>
+                <a:ea typeface="DengXian" panose="02010600030101010101" pitchFamily="2" charset="-122"/>
+                <a:cs typeface="Times New Roman" panose="02020603050405020304" pitchFamily="18" charset="0"/>
+              </a:rPr>
+              <a:t>. And then I use group by to find all the products who are the same type. And then I order the </a:t>
+            </a:r>
+            <a:r>
+              <a:rPr lang="en-US" altLang="zh-CN" sz="1800" b="1" dirty="0" err="1">
+                <a:solidFill>
+                  <a:srgbClr val="202124"/>
+                </a:solidFill>
+                <a:effectLst/>
+                <a:latin typeface="Roboto" panose="02000000000000000000" pitchFamily="2" charset="0"/>
+                <a:ea typeface="DengXian" panose="02010600030101010101" pitchFamily="2" charset="-122"/>
+                <a:cs typeface="Times New Roman" panose="02020603050405020304" pitchFamily="18" charset="0"/>
+              </a:rPr>
+              <a:t>producttype</a:t>
+            </a:r>
+            <a:r>
+              <a:rPr lang="en-US" altLang="zh-CN" sz="1800" b="1" dirty="0">
+                <a:solidFill>
+                  <a:srgbClr val="202124"/>
+                </a:solidFill>
+                <a:effectLst/>
+                <a:latin typeface="Roboto" panose="02000000000000000000" pitchFamily="2" charset="0"/>
+                <a:ea typeface="DengXian" panose="02010600030101010101" pitchFamily="2" charset="-122"/>
+                <a:cs typeface="Times New Roman" panose="02020603050405020304" pitchFamily="18" charset="0"/>
+              </a:rPr>
+              <a:t> by ascending order. This query takes 0.046 seconds. </a:t>
+            </a:r>
             <a:endParaRPr lang="zh-CN" altLang="en-US" dirty="0"/>
           </a:p>
         </p:txBody>
@@ -1965,6 +2293,259 @@
               <a:rPr lang="en-US" altLang="zh-CN" dirty="0"/>
               <a:t>The second is faster than the first.</a:t>
             </a:r>
+          </a:p>
+          <a:p>
+            <a:pPr marL="0" marR="0" lvl="0" indent="0" algn="l" defTabSz="914400" rtl="0" eaLnBrk="1" fontAlgn="auto" latinLnBrk="0" hangingPunct="1">
+              <a:lnSpc>
+                <a:spcPct val="100000"/>
+              </a:lnSpc>
+              <a:spcBef>
+                <a:spcPts val="0"/>
+              </a:spcBef>
+              <a:spcAft>
+                <a:spcPts val="0"/>
+              </a:spcAft>
+              <a:buClrTx/>
+              <a:buSzTx/>
+              <a:buFontTx/>
+              <a:buNone/>
+              <a:tabLst/>
+              <a:defRPr/>
+            </a:pPr>
+            <a:r>
+              <a:rPr lang="en-US" altLang="zh-CN" sz="1800" b="1" kern="100" dirty="0">
+                <a:solidFill>
+                  <a:srgbClr val="202124"/>
+                </a:solidFill>
+                <a:effectLst/>
+                <a:latin typeface="Roboto" panose="02000000000000000000" pitchFamily="2" charset="0"/>
+                <a:ea typeface="DengXian" panose="02010600030101010101" pitchFamily="2" charset="-122"/>
+                <a:cs typeface="Times New Roman" panose="02020603050405020304" pitchFamily="18" charset="0"/>
+              </a:rPr>
+              <a:t>(2) First, I select </a:t>
+            </a:r>
+            <a:r>
+              <a:rPr lang="en-US" altLang="zh-CN" sz="1800" b="1" kern="100" dirty="0" err="1">
+                <a:solidFill>
+                  <a:srgbClr val="202124"/>
+                </a:solidFill>
+                <a:effectLst/>
+                <a:latin typeface="Roboto" panose="02000000000000000000" pitchFamily="2" charset="0"/>
+                <a:ea typeface="DengXian" panose="02010600030101010101" pitchFamily="2" charset="-122"/>
+                <a:cs typeface="Times New Roman" panose="02020603050405020304" pitchFamily="18" charset="0"/>
+              </a:rPr>
+              <a:t>producttype</a:t>
+            </a:r>
+            <a:r>
+              <a:rPr lang="en-US" altLang="zh-CN" sz="1800" b="1" kern="100" dirty="0">
+                <a:solidFill>
+                  <a:srgbClr val="202124"/>
+                </a:solidFill>
+                <a:effectLst/>
+                <a:latin typeface="Roboto" panose="02000000000000000000" pitchFamily="2" charset="0"/>
+                <a:ea typeface="DengXian" panose="02010600030101010101" pitchFamily="2" charset="-122"/>
+                <a:cs typeface="Times New Roman" panose="02020603050405020304" pitchFamily="18" charset="0"/>
+              </a:rPr>
+              <a:t> and all data (from the </a:t>
+            </a:r>
+            <a:r>
+              <a:rPr lang="en-US" altLang="zh-CN" sz="1800" b="1" kern="100" dirty="0" err="1">
+                <a:solidFill>
+                  <a:srgbClr val="202124"/>
+                </a:solidFill>
+                <a:effectLst/>
+                <a:latin typeface="Roboto" panose="02000000000000000000" pitchFamily="2" charset="0"/>
+                <a:ea typeface="DengXian" panose="02010600030101010101" pitchFamily="2" charset="-122"/>
+                <a:cs typeface="Times New Roman" panose="02020603050405020304" pitchFamily="18" charset="0"/>
+              </a:rPr>
+              <a:t>sumed</a:t>
+            </a:r>
+            <a:r>
+              <a:rPr lang="en-US" altLang="zh-CN" sz="1800" b="1" kern="100" dirty="0">
+                <a:solidFill>
+                  <a:srgbClr val="202124"/>
+                </a:solidFill>
+                <a:effectLst/>
+                <a:latin typeface="Roboto" panose="02000000000000000000" pitchFamily="2" charset="0"/>
+                <a:ea typeface="DengXian" panose="02010600030101010101" pitchFamily="2" charset="-122"/>
+                <a:cs typeface="Times New Roman" panose="02020603050405020304" pitchFamily="18" charset="0"/>
+              </a:rPr>
+              <a:t> prices table) from </a:t>
+            </a:r>
+            <a:r>
+              <a:rPr lang="en-US" altLang="zh-CN" sz="1800" b="1" kern="100" dirty="0" err="1">
+                <a:solidFill>
+                  <a:srgbClr val="202124"/>
+                </a:solidFill>
+                <a:effectLst/>
+                <a:latin typeface="Roboto" panose="02000000000000000000" pitchFamily="2" charset="0"/>
+                <a:ea typeface="DengXian" panose="02010600030101010101" pitchFamily="2" charset="-122"/>
+                <a:cs typeface="Times New Roman" panose="02020603050405020304" pitchFamily="18" charset="0"/>
+              </a:rPr>
+              <a:t>producttable</a:t>
+            </a:r>
+            <a:r>
+              <a:rPr lang="en-US" altLang="zh-CN" sz="1800" b="1" kern="100" dirty="0">
+                <a:solidFill>
+                  <a:srgbClr val="202124"/>
+                </a:solidFill>
+                <a:effectLst/>
+                <a:latin typeface="Roboto" panose="02000000000000000000" pitchFamily="2" charset="0"/>
+                <a:ea typeface="DengXian" panose="02010600030101010101" pitchFamily="2" charset="-122"/>
+                <a:cs typeface="Times New Roman" panose="02020603050405020304" pitchFamily="18" charset="0"/>
+              </a:rPr>
+              <a:t>, and then I use inner join to select records that have matching values in both </a:t>
+            </a:r>
+            <a:r>
+              <a:rPr lang="en-US" altLang="zh-CN" sz="1800" b="1" kern="100" dirty="0" err="1">
+                <a:solidFill>
+                  <a:srgbClr val="202124"/>
+                </a:solidFill>
+                <a:effectLst/>
+                <a:latin typeface="Roboto" panose="02000000000000000000" pitchFamily="2" charset="0"/>
+                <a:ea typeface="DengXian" panose="02010600030101010101" pitchFamily="2" charset="-122"/>
+                <a:cs typeface="Times New Roman" panose="02020603050405020304" pitchFamily="18" charset="0"/>
+              </a:rPr>
+              <a:t>producttable</a:t>
+            </a:r>
+            <a:r>
+              <a:rPr lang="en-US" altLang="zh-CN" sz="1800" b="1" kern="100" dirty="0">
+                <a:solidFill>
+                  <a:srgbClr val="202124"/>
+                </a:solidFill>
+                <a:effectLst/>
+                <a:latin typeface="Roboto" panose="02000000000000000000" pitchFamily="2" charset="0"/>
+                <a:ea typeface="DengXian" panose="02010600030101010101" pitchFamily="2" charset="-122"/>
+                <a:cs typeface="Times New Roman" panose="02020603050405020304" pitchFamily="18" charset="0"/>
+              </a:rPr>
+              <a:t> and </a:t>
+            </a:r>
+            <a:r>
+              <a:rPr lang="en-US" altLang="zh-CN" sz="1800" b="1" kern="100" dirty="0" err="1">
+                <a:solidFill>
+                  <a:srgbClr val="202124"/>
+                </a:solidFill>
+                <a:effectLst/>
+                <a:latin typeface="Roboto" panose="02000000000000000000" pitchFamily="2" charset="0"/>
+                <a:ea typeface="DengXian" panose="02010600030101010101" pitchFamily="2" charset="-122"/>
+                <a:cs typeface="Times New Roman" panose="02020603050405020304" pitchFamily="18" charset="0"/>
+              </a:rPr>
+              <a:t>sumprice</a:t>
+            </a:r>
+            <a:r>
+              <a:rPr lang="en-US" altLang="zh-CN" sz="1800" b="1" kern="100" dirty="0">
+                <a:solidFill>
+                  <a:srgbClr val="202124"/>
+                </a:solidFill>
+                <a:effectLst/>
+                <a:latin typeface="Roboto" panose="02000000000000000000" pitchFamily="2" charset="0"/>
+                <a:ea typeface="DengXian" panose="02010600030101010101" pitchFamily="2" charset="-122"/>
+                <a:cs typeface="Times New Roman" panose="02020603050405020304" pitchFamily="18" charset="0"/>
+              </a:rPr>
+              <a:t> table, which represented as ‘t’. And then I do the same query with the first one since I want to compare this one and the first one. I select </a:t>
+            </a:r>
+            <a:r>
+              <a:rPr lang="en-US" altLang="zh-CN" sz="1800" b="1" kern="100" dirty="0" err="1">
+                <a:solidFill>
+                  <a:srgbClr val="202124"/>
+                </a:solidFill>
+                <a:effectLst/>
+                <a:latin typeface="Roboto" panose="02000000000000000000" pitchFamily="2" charset="0"/>
+                <a:ea typeface="DengXian" panose="02010600030101010101" pitchFamily="2" charset="-122"/>
+                <a:cs typeface="Times New Roman" panose="02020603050405020304" pitchFamily="18" charset="0"/>
+              </a:rPr>
+              <a:t>producttype</a:t>
+            </a:r>
+            <a:r>
+              <a:rPr lang="en-US" altLang="zh-CN" sz="1800" b="1" kern="100" dirty="0">
+                <a:solidFill>
+                  <a:srgbClr val="202124"/>
+                </a:solidFill>
+                <a:effectLst/>
+                <a:latin typeface="Roboto" panose="02000000000000000000" pitchFamily="2" charset="0"/>
+                <a:ea typeface="DengXian" panose="02010600030101010101" pitchFamily="2" charset="-122"/>
+                <a:cs typeface="Times New Roman" panose="02020603050405020304" pitchFamily="18" charset="0"/>
+              </a:rPr>
+              <a:t> and total price from the </a:t>
+            </a:r>
+            <a:r>
+              <a:rPr lang="en-US" altLang="zh-CN" sz="1800" b="1" kern="100" dirty="0" err="1">
+                <a:solidFill>
+                  <a:srgbClr val="202124"/>
+                </a:solidFill>
+                <a:effectLst/>
+                <a:latin typeface="Roboto" panose="02000000000000000000" pitchFamily="2" charset="0"/>
+                <a:ea typeface="DengXian" panose="02010600030101010101" pitchFamily="2" charset="-122"/>
+                <a:cs typeface="Times New Roman" panose="02020603050405020304" pitchFamily="18" charset="0"/>
+              </a:rPr>
+              <a:t>producttable</a:t>
+            </a:r>
+            <a:r>
+              <a:rPr lang="en-US" altLang="zh-CN" sz="1800" b="1" kern="100" dirty="0">
+                <a:solidFill>
+                  <a:srgbClr val="202124"/>
+                </a:solidFill>
+                <a:effectLst/>
+                <a:latin typeface="Roboto" panose="02000000000000000000" pitchFamily="2" charset="0"/>
+                <a:ea typeface="DengXian" panose="02010600030101010101" pitchFamily="2" charset="-122"/>
+                <a:cs typeface="Times New Roman" panose="02020603050405020304" pitchFamily="18" charset="0"/>
+              </a:rPr>
+              <a:t>, and then I group the products which has the same type together. ‘</a:t>
+            </a:r>
+            <a:r>
+              <a:rPr lang="en-US" altLang="zh-CN" sz="1800" b="1" kern="100" dirty="0" err="1">
+                <a:solidFill>
+                  <a:srgbClr val="202124"/>
+                </a:solidFill>
+                <a:effectLst/>
+                <a:latin typeface="Roboto" panose="02000000000000000000" pitchFamily="2" charset="0"/>
+                <a:ea typeface="DengXian" panose="02010600030101010101" pitchFamily="2" charset="-122"/>
+                <a:cs typeface="Times New Roman" panose="02020603050405020304" pitchFamily="18" charset="0"/>
+              </a:rPr>
+              <a:t>agg</a:t>
+            </a:r>
+            <a:r>
+              <a:rPr lang="en-US" altLang="zh-CN" sz="1800" b="1" kern="100" dirty="0">
+                <a:solidFill>
+                  <a:srgbClr val="202124"/>
+                </a:solidFill>
+                <a:effectLst/>
+                <a:latin typeface="Roboto" panose="02000000000000000000" pitchFamily="2" charset="0"/>
+                <a:ea typeface="DengXian" panose="02010600030101010101" pitchFamily="2" charset="-122"/>
+                <a:cs typeface="Times New Roman" panose="02020603050405020304" pitchFamily="18" charset="0"/>
+              </a:rPr>
+              <a:t>’ is the alias of the product table. And then I created index on the product table, and then sort the </a:t>
+            </a:r>
+            <a:r>
+              <a:rPr lang="en-US" altLang="zh-CN" sz="1800" b="1" kern="100" dirty="0" err="1">
+                <a:solidFill>
+                  <a:srgbClr val="202124"/>
+                </a:solidFill>
+                <a:effectLst/>
+                <a:latin typeface="Roboto" panose="02000000000000000000" pitchFamily="2" charset="0"/>
+                <a:ea typeface="DengXian" panose="02010600030101010101" pitchFamily="2" charset="-122"/>
+                <a:cs typeface="Times New Roman" panose="02020603050405020304" pitchFamily="18" charset="0"/>
+              </a:rPr>
+              <a:t>producttype</a:t>
+            </a:r>
+            <a:r>
+              <a:rPr lang="en-US" altLang="zh-CN" sz="1800" b="1" kern="100" dirty="0">
+                <a:solidFill>
+                  <a:srgbClr val="202124"/>
+                </a:solidFill>
+                <a:effectLst/>
+                <a:latin typeface="Roboto" panose="02000000000000000000" pitchFamily="2" charset="0"/>
+                <a:ea typeface="DengXian" panose="02010600030101010101" pitchFamily="2" charset="-122"/>
+                <a:cs typeface="Times New Roman" panose="02020603050405020304" pitchFamily="18" charset="0"/>
+              </a:rPr>
+              <a:t> by ascending order. This query takes 0.032 seconds. The second query is optimized because it takes less time than the first query. Inner join is faster than the nested query in this example. </a:t>
+            </a:r>
+            <a:endParaRPr lang="zh-CN" altLang="zh-CN" sz="1800" kern="100" dirty="0">
+              <a:effectLst/>
+              <a:latin typeface="DengXian" panose="02010600030101010101" pitchFamily="2" charset="-122"/>
+              <a:ea typeface="DengXian" panose="02010600030101010101" pitchFamily="2" charset="-122"/>
+              <a:cs typeface="Times New Roman" panose="02020603050405020304" pitchFamily="18" charset="0"/>
+            </a:endParaRPr>
           </a:p>
           <a:p>
             <a:endParaRPr lang="zh-CN" altLang="en-US" dirty="0"/>
@@ -3222,7 +3803,7 @@
           <a:p>
             <a:fld id="{7492A6CD-A18E-46ED-A524-42959DD05C5F}" type="datetimeFigureOut">
               <a:rPr lang="zh-CN" altLang="en-US" smtClean="0"/>
-              <a:t>2021/11/27</a:t>
+              <a:t>2021/11/28</a:t>
             </a:fld>
             <a:endParaRPr lang="zh-CN" altLang="en-US"/>
           </a:p>
@@ -3422,7 +4003,7 @@
           <a:p>
             <a:fld id="{7492A6CD-A18E-46ED-A524-42959DD05C5F}" type="datetimeFigureOut">
               <a:rPr lang="zh-CN" altLang="en-US" smtClean="0"/>
-              <a:t>2021/11/27</a:t>
+              <a:t>2021/11/28</a:t>
             </a:fld>
             <a:endParaRPr lang="zh-CN" altLang="en-US"/>
           </a:p>
@@ -3632,7 +4213,7 @@
           <a:p>
             <a:fld id="{7492A6CD-A18E-46ED-A524-42959DD05C5F}" type="datetimeFigureOut">
               <a:rPr lang="zh-CN" altLang="en-US" smtClean="0"/>
-              <a:t>2021/11/27</a:t>
+              <a:t>2021/11/28</a:t>
             </a:fld>
             <a:endParaRPr lang="zh-CN" altLang="en-US"/>
           </a:p>
@@ -3832,7 +4413,7 @@
           <a:p>
             <a:fld id="{7492A6CD-A18E-46ED-A524-42959DD05C5F}" type="datetimeFigureOut">
               <a:rPr lang="zh-CN" altLang="en-US" smtClean="0"/>
-              <a:t>2021/11/27</a:t>
+              <a:t>2021/11/28</a:t>
             </a:fld>
             <a:endParaRPr lang="zh-CN" altLang="en-US"/>
           </a:p>
@@ -4108,7 +4689,7 @@
           <a:p>
             <a:fld id="{7492A6CD-A18E-46ED-A524-42959DD05C5F}" type="datetimeFigureOut">
               <a:rPr lang="zh-CN" altLang="en-US" smtClean="0"/>
-              <a:t>2021/11/27</a:t>
+              <a:t>2021/11/28</a:t>
             </a:fld>
             <a:endParaRPr lang="zh-CN" altLang="en-US"/>
           </a:p>
@@ -4376,7 +4957,7 @@
           <a:p>
             <a:fld id="{7492A6CD-A18E-46ED-A524-42959DD05C5F}" type="datetimeFigureOut">
               <a:rPr lang="zh-CN" altLang="en-US" smtClean="0"/>
-              <a:t>2021/11/27</a:t>
+              <a:t>2021/11/28</a:t>
             </a:fld>
             <a:endParaRPr lang="zh-CN" altLang="en-US"/>
           </a:p>
@@ -4791,7 +5372,7 @@
           <a:p>
             <a:fld id="{7492A6CD-A18E-46ED-A524-42959DD05C5F}" type="datetimeFigureOut">
               <a:rPr lang="zh-CN" altLang="en-US" smtClean="0"/>
-              <a:t>2021/11/27</a:t>
+              <a:t>2021/11/28</a:t>
             </a:fld>
             <a:endParaRPr lang="zh-CN" altLang="en-US"/>
           </a:p>
@@ -4933,7 +5514,7 @@
           <a:p>
             <a:fld id="{7492A6CD-A18E-46ED-A524-42959DD05C5F}" type="datetimeFigureOut">
               <a:rPr lang="zh-CN" altLang="en-US" smtClean="0"/>
-              <a:t>2021/11/27</a:t>
+              <a:t>2021/11/28</a:t>
             </a:fld>
             <a:endParaRPr lang="zh-CN" altLang="en-US"/>
           </a:p>
@@ -5046,7 +5627,7 @@
           <a:p>
             <a:fld id="{7492A6CD-A18E-46ED-A524-42959DD05C5F}" type="datetimeFigureOut">
               <a:rPr lang="zh-CN" altLang="en-US" smtClean="0"/>
-              <a:t>2021/11/27</a:t>
+              <a:t>2021/11/28</a:t>
             </a:fld>
             <a:endParaRPr lang="zh-CN" altLang="en-US"/>
           </a:p>
@@ -5359,7 +5940,7 @@
           <a:p>
             <a:fld id="{7492A6CD-A18E-46ED-A524-42959DD05C5F}" type="datetimeFigureOut">
               <a:rPr lang="zh-CN" altLang="en-US" smtClean="0"/>
-              <a:t>2021/11/27</a:t>
+              <a:t>2021/11/28</a:t>
             </a:fld>
             <a:endParaRPr lang="zh-CN" altLang="en-US"/>
           </a:p>
@@ -5648,7 +6229,7 @@
           <a:p>
             <a:fld id="{7492A6CD-A18E-46ED-A524-42959DD05C5F}" type="datetimeFigureOut">
               <a:rPr lang="zh-CN" altLang="en-US" smtClean="0"/>
-              <a:t>2021/11/27</a:t>
+              <a:t>2021/11/28</a:t>
             </a:fld>
             <a:endParaRPr lang="zh-CN" altLang="en-US"/>
           </a:p>
@@ -5891,7 +6472,7 @@
           <a:p>
             <a:fld id="{7492A6CD-A18E-46ED-A524-42959DD05C5F}" type="datetimeFigureOut">
               <a:rPr lang="zh-CN" altLang="en-US" smtClean="0"/>
-              <a:t>2021/11/27</a:t>
+              <a:t>2021/11/28</a:t>
             </a:fld>
             <a:endParaRPr lang="zh-CN" altLang="en-US"/>
           </a:p>
